--- a/Presentation1.pptx
+++ b/Presentation1.pptx
@@ -108,6 +108,11 @@
       </a:defRPr>
     </a:lvl9pPr>
   </p:defaultTextStyle>
+  <p:extLst>
+    <p:ext uri="{EFAFB233-063F-42B5-8137-9DF3F51BA10A}">
+      <p15:sldGuideLst xmlns:p15="http://schemas.microsoft.com/office/powerpoint/2012/main"/>
+    </p:ext>
+  </p:extLst>
 </p:presentation>
 </file>
 
@@ -242,7 +247,7 @@
           <a:p>
             <a:fld id="{C9288890-69CA-4AE8-A398-65EB4C192ED1}" type="datetimeFigureOut">
               <a:rPr lang="nl-NL" smtClean="0"/>
-              <a:t>19-4-2016</a:t>
+              <a:t>21-4-2016</a:t>
             </a:fld>
             <a:endParaRPr lang="nl-NL"/>
           </a:p>
@@ -412,7 +417,7 @@
           <a:p>
             <a:fld id="{C9288890-69CA-4AE8-A398-65EB4C192ED1}" type="datetimeFigureOut">
               <a:rPr lang="nl-NL" smtClean="0"/>
-              <a:t>19-4-2016</a:t>
+              <a:t>21-4-2016</a:t>
             </a:fld>
             <a:endParaRPr lang="nl-NL"/>
           </a:p>
@@ -592,7 +597,7 @@
           <a:p>
             <a:fld id="{C9288890-69CA-4AE8-A398-65EB4C192ED1}" type="datetimeFigureOut">
               <a:rPr lang="nl-NL" smtClean="0"/>
-              <a:t>19-4-2016</a:t>
+              <a:t>21-4-2016</a:t>
             </a:fld>
             <a:endParaRPr lang="nl-NL"/>
           </a:p>
@@ -762,7 +767,7 @@
           <a:p>
             <a:fld id="{C9288890-69CA-4AE8-A398-65EB4C192ED1}" type="datetimeFigureOut">
               <a:rPr lang="nl-NL" smtClean="0"/>
-              <a:t>19-4-2016</a:t>
+              <a:t>21-4-2016</a:t>
             </a:fld>
             <a:endParaRPr lang="nl-NL"/>
           </a:p>
@@ -1008,7 +1013,7 @@
           <a:p>
             <a:fld id="{C9288890-69CA-4AE8-A398-65EB4C192ED1}" type="datetimeFigureOut">
               <a:rPr lang="nl-NL" smtClean="0"/>
-              <a:t>19-4-2016</a:t>
+              <a:t>21-4-2016</a:t>
             </a:fld>
             <a:endParaRPr lang="nl-NL"/>
           </a:p>
@@ -1240,7 +1245,7 @@
           <a:p>
             <a:fld id="{C9288890-69CA-4AE8-A398-65EB4C192ED1}" type="datetimeFigureOut">
               <a:rPr lang="nl-NL" smtClean="0"/>
-              <a:t>19-4-2016</a:t>
+              <a:t>21-4-2016</a:t>
             </a:fld>
             <a:endParaRPr lang="nl-NL"/>
           </a:p>
@@ -1607,7 +1612,7 @@
           <a:p>
             <a:fld id="{C9288890-69CA-4AE8-A398-65EB4C192ED1}" type="datetimeFigureOut">
               <a:rPr lang="nl-NL" smtClean="0"/>
-              <a:t>19-4-2016</a:t>
+              <a:t>21-4-2016</a:t>
             </a:fld>
             <a:endParaRPr lang="nl-NL"/>
           </a:p>
@@ -1725,7 +1730,7 @@
           <a:p>
             <a:fld id="{C9288890-69CA-4AE8-A398-65EB4C192ED1}" type="datetimeFigureOut">
               <a:rPr lang="nl-NL" smtClean="0"/>
-              <a:t>19-4-2016</a:t>
+              <a:t>21-4-2016</a:t>
             </a:fld>
             <a:endParaRPr lang="nl-NL"/>
           </a:p>
@@ -1820,7 +1825,7 @@
           <a:p>
             <a:fld id="{C9288890-69CA-4AE8-A398-65EB4C192ED1}" type="datetimeFigureOut">
               <a:rPr lang="nl-NL" smtClean="0"/>
-              <a:t>19-4-2016</a:t>
+              <a:t>21-4-2016</a:t>
             </a:fld>
             <a:endParaRPr lang="nl-NL"/>
           </a:p>
@@ -2097,7 +2102,7 @@
           <a:p>
             <a:fld id="{C9288890-69CA-4AE8-A398-65EB4C192ED1}" type="datetimeFigureOut">
               <a:rPr lang="nl-NL" smtClean="0"/>
-              <a:t>19-4-2016</a:t>
+              <a:t>21-4-2016</a:t>
             </a:fld>
             <a:endParaRPr lang="nl-NL"/>
           </a:p>
@@ -2350,7 +2355,7 @@
           <a:p>
             <a:fld id="{C9288890-69CA-4AE8-A398-65EB4C192ED1}" type="datetimeFigureOut">
               <a:rPr lang="nl-NL" smtClean="0"/>
-              <a:t>19-4-2016</a:t>
+              <a:t>21-4-2016</a:t>
             </a:fld>
             <a:endParaRPr lang="nl-NL"/>
           </a:p>
@@ -2563,7 +2568,7 @@
           <a:p>
             <a:fld id="{C9288890-69CA-4AE8-A398-65EB4C192ED1}" type="datetimeFigureOut">
               <a:rPr lang="nl-NL" smtClean="0"/>
-              <a:t>19-4-2016</a:t>
+              <a:t>21-4-2016</a:t>
             </a:fld>
             <a:endParaRPr lang="nl-NL"/>
           </a:p>
@@ -3087,11 +3092,6 @@
               </a:rPr>
               <a:t>Stephan Kok</a:t>
             </a:r>
-            <a:endParaRPr lang="nl-NL" sz="4400" b="1" dirty="0" smtClean="0">
-              <a:solidFill>
-                <a:srgbClr val="FFFF00"/>
-              </a:solidFill>
-            </a:endParaRPr>
           </a:p>
           <a:p>
             <a:r>
@@ -3188,7 +3188,15 @@
           <a:p>
             <a:r>
               <a:rPr lang="en-GB" dirty="0" err="1" smtClean="0"/>
-              <a:t>Oplossingen</a:t>
+              <a:t>Mogelijke</a:t>
+            </a:r>
+            <a:r>
+              <a:rPr lang="en-GB" dirty="0" smtClean="0"/>
+              <a:t> </a:t>
+            </a:r>
+            <a:r>
+              <a:rPr lang="en-GB" dirty="0" err="1" smtClean="0"/>
+              <a:t>oplossingen</a:t>
             </a:r>
             <a:endParaRPr lang="en-GB" dirty="0" smtClean="0"/>
           </a:p>
@@ -3206,18 +3214,6 @@
               <a:t>annealing</a:t>
             </a:r>
             <a:endParaRPr lang="en-GB" dirty="0" smtClean="0"/>
-          </a:p>
-          <a:p>
-            <a:r>
-              <a:rPr lang="en-GB" dirty="0" smtClean="0"/>
-              <a:t>Results</a:t>
-            </a:r>
-          </a:p>
-          <a:p>
-            <a:r>
-              <a:rPr lang="en-GB" dirty="0" smtClean="0"/>
-              <a:t>Conclusion</a:t>
-            </a:r>
           </a:p>
         </p:txBody>
       </p:sp>
@@ -3293,7 +3289,9 @@
         </p:nvSpPr>
         <p:spPr/>
         <p:txBody>
-          <a:bodyPr/>
+          <a:bodyPr>
+            <a:normAutofit lnSpcReduction="10000"/>
+          </a:bodyPr>
           <a:lstStyle/>
           <a:p>
             <a:r>
@@ -3350,7 +3348,11 @@
             <a:pPr lvl="1"/>
             <a:r>
               <a:rPr lang="nl-NL" dirty="0" smtClean="0"/>
-              <a:t>Waarde van het huis</a:t>
+              <a:t>Waarde van het </a:t>
+            </a:r>
+            <a:r>
+              <a:rPr lang="nl-NL" dirty="0" smtClean="0"/>
+              <a:t>huis</a:t>
             </a:r>
             <a:endParaRPr lang="nl-NL" dirty="0"/>
           </a:p>
@@ -3365,7 +3367,32 @@
             </a:r>
             <a:r>
               <a:rPr lang="nl-NL" dirty="0" smtClean="0"/>
-              <a:t> -&gt; huis meer waard</a:t>
+              <a:t> -&gt; huis meer </a:t>
+            </a:r>
+            <a:r>
+              <a:rPr lang="nl-NL" dirty="0" smtClean="0"/>
+              <a:t>waard</a:t>
+            </a:r>
+          </a:p>
+          <a:p>
+            <a:r>
+              <a:rPr lang="nl-NL" dirty="0" smtClean="0"/>
+              <a:t>20% water</a:t>
+            </a:r>
+            <a:endParaRPr lang="nl-NL" dirty="0"/>
+          </a:p>
+          <a:p>
+            <a:pPr lvl="1"/>
+            <a:r>
+              <a:rPr lang="nl-NL" dirty="0" smtClean="0"/>
+              <a:t>Max 4 plekken</a:t>
+            </a:r>
+          </a:p>
+          <a:p>
+            <a:pPr lvl="1"/>
+            <a:r>
+              <a:rPr lang="nl-NL" dirty="0" smtClean="0"/>
+              <a:t>1:4</a:t>
             </a:r>
             <a:endParaRPr lang="nl-NL" dirty="0"/>
           </a:p>
@@ -3411,6 +3438,13 @@
   <p:clrMapOvr>
     <a:masterClrMapping/>
   </p:clrMapOvr>
+  <p:timing>
+    <p:tnLst>
+      <p:par>
+        <p:cTn id="1" dur="indefinite" restart="never" nodeType="tmRoot"/>
+      </p:par>
+    </p:tnLst>
+  </p:timing>
 </p:sld>
 </file>
 
@@ -3448,7 +3482,7 @@
           <a:p>
             <a:r>
               <a:rPr lang="nl-NL" dirty="0" smtClean="0"/>
-              <a:t>Oplossingen</a:t>
+              <a:t>Mogelijke oplossingen</a:t>
             </a:r>
             <a:endParaRPr lang="nl-NL" dirty="0"/>
           </a:p>
@@ -3473,8 +3507,13 @@
               <a:p>
                 <a:r>
                   <a:rPr lang="nl-NL" dirty="0" smtClean="0"/>
-                  <a:t>Random alle mogelijkheden</a:t>
+                  <a:t>Random alle </a:t>
                 </a:r>
+                <a:r>
+                  <a:rPr lang="nl-NL" dirty="0" smtClean="0"/>
+                  <a:t>mogelijkheden:</a:t>
+                </a:r>
+                <a:endParaRPr lang="nl-NL" dirty="0" smtClean="0"/>
               </a:p>
               <a:p>
                 <a:pPr lvl="1"/>
@@ -3575,7 +3614,7 @@
                 </a:pPr>
                 <a:r>
                   <a:rPr lang="nl-NL" dirty="0" smtClean="0"/>
-                  <a:t>-&gt; Constructieve algoritmes zinloos</a:t>
+                  <a:t>-&gt; Constructieve algoritmes zijn zinloos</a:t>
                 </a:r>
               </a:p>
               <a:p>
@@ -3588,13 +3627,15 @@
                 </a:r>
               </a:p>
               <a:p>
-                <a:pPr marL="0" indent="0">
-                  <a:buNone/>
-                </a:pPr>
+                <a:pPr lvl="1"/>
                 <a:r>
                   <a:rPr lang="nl-NL" b="1" dirty="0" smtClean="0"/>
-                  <a:t>	-&gt; </a:t>
+                  <a:t>Uitdijen</a:t>
                 </a:r>
+                <a:endParaRPr lang="nl-NL" b="1" dirty="0"/>
+              </a:p>
+              <a:p>
+                <a:pPr lvl="1"/>
                 <a:r>
                   <a:rPr lang="nl-NL" b="1" dirty="0" err="1" smtClean="0"/>
                   <a:t>Simulated</a:t>
@@ -3650,6 +3691,47 @@
           </p:sp>
         </mc:Fallback>
       </mc:AlternateContent>
+      <p:pic>
+        <p:nvPicPr>
+          <p:cNvPr id="1026" name="Picture 2" descr="https://lh4.googleusercontent.com/EP9F0uIUkJ6JvNwyf1_4p5AvC1ciaiezyUuGvTVi1xnF7JMnDeWGQXq7UE7y6f3nMxHYnC0Jcld9Moe1r5z0oh4jG_ChsLly0s-_XWb7S1LSX5HHlCt6bbVM9EeRH0b_ogEquueB"/>
+          <p:cNvPicPr>
+            <a:picLocks noChangeAspect="1" noChangeArrowheads="1"/>
+          </p:cNvPicPr>
+          <p:nvPr/>
+        </p:nvPicPr>
+        <p:blipFill>
+          <a:blip r:embed="rId3">
+            <a:extLst>
+              <a:ext uri="{28A0092B-C50C-407E-A947-70E740481C1C}">
+                <a14:useLocalDpi xmlns:a14="http://schemas.microsoft.com/office/drawing/2010/main" val="0"/>
+              </a:ext>
+            </a:extLst>
+          </a:blip>
+          <a:srcRect/>
+          <a:stretch>
+            <a:fillRect/>
+          </a:stretch>
+        </p:blipFill>
+        <p:spPr bwMode="auto">
+          <a:xfrm>
+            <a:off x="6217407" y="3635331"/>
+            <a:ext cx="5734050" cy="2324101"/>
+          </a:xfrm>
+          <a:prstGeom prst="rect">
+            <a:avLst/>
+          </a:prstGeom>
+          <a:noFill/>
+          <a:extLst>
+            <a:ext uri="{909E8E84-426E-40DD-AFC4-6F175D3DCCD1}">
+              <a14:hiddenFill xmlns:a14="http://schemas.microsoft.com/office/drawing/2010/main">
+                <a:solidFill>
+                  <a:srgbClr val="FFFFFF"/>
+                </a:solidFill>
+              </a14:hiddenFill>
+            </a:ext>
+          </a:extLst>
+        </p:spPr>
+      </p:pic>
     </p:spTree>
     <p:extLst>
       <p:ext uri="{BB962C8B-B14F-4D97-AF65-F5344CB8AC3E}">
@@ -3660,6 +3742,13 @@
   <p:clrMapOvr>
     <a:masterClrMapping/>
   </p:clrMapOvr>
+  <p:timing>
+    <p:tnLst>
+      <p:par>
+        <p:cTn id="1" dur="indefinite" restart="never" nodeType="tmRoot"/>
+      </p:par>
+    </p:tnLst>
+  </p:timing>
 </p:sld>
 </file>
 
@@ -3724,7 +3813,7 @@
         <p:spPr/>
         <p:txBody>
           <a:bodyPr>
-            <a:normAutofit lnSpcReduction="10000"/>
+            <a:normAutofit fontScale="92500" lnSpcReduction="20000"/>
           </a:bodyPr>
           <a:lstStyle/>
           <a:p>
@@ -3734,9 +3823,12 @@
             </a:r>
           </a:p>
           <a:p>
+            <a:endParaRPr lang="nl-NL" dirty="0"/>
+          </a:p>
+          <a:p>
             <a:r>
               <a:rPr lang="nl-NL" dirty="0" smtClean="0"/>
-              <a:t>?Vergelijkbaar met </a:t>
+              <a:t>Vergelijkbaar met </a:t>
             </a:r>
             <a:r>
               <a:rPr lang="nl-NL" dirty="0" err="1" smtClean="0"/>
@@ -3750,15 +3842,6 @@
               <a:rPr lang="nl-NL" dirty="0" err="1" smtClean="0"/>
               <a:t>climbing</a:t>
             </a:r>
-            <a:r>
-              <a:rPr lang="nl-NL" dirty="0" smtClean="0"/>
-              <a:t>?</a:t>
-            </a:r>
-          </a:p>
-          <a:p>
-            <a:endParaRPr lang="nl-NL" dirty="0"/>
-          </a:p>
-          <a:p>
             <a:endParaRPr lang="nl-NL" dirty="0" smtClean="0"/>
           </a:p>
           <a:p>
@@ -3774,7 +3857,15 @@
             </a:pPr>
             <a:r>
               <a:rPr lang="nl-NL" dirty="0" smtClean="0"/>
-              <a:t>Plaats alles random</a:t>
+              <a:t>Startwaarde + </a:t>
+            </a:r>
+            <a:r>
+              <a:rPr lang="nl-NL" dirty="0" err="1" smtClean="0"/>
+              <a:t>temperature</a:t>
+            </a:r>
+            <a:r>
+              <a:rPr lang="nl-NL" dirty="0" smtClean="0"/>
+              <a:t/>
             </a:r>
             <a:br>
               <a:rPr lang="nl-NL" dirty="0" smtClean="0"/>
@@ -3790,8 +3881,9 @@
             </a:pPr>
             <a:r>
               <a:rPr lang="nl-NL" dirty="0" smtClean="0"/>
-              <a:t>Loop zolang je wil	</a:t>
-            </a:r>
+              <a:t>Loop </a:t>
+            </a:r>
+            <a:endParaRPr lang="nl-NL" dirty="0" smtClean="0"/>
           </a:p>
           <a:p>
             <a:pPr marL="457200" lvl="1" indent="0">
@@ -3810,12 +3902,16 @@
             </a:br>
             <a:r>
               <a:rPr lang="nl-NL" dirty="0" smtClean="0"/>
-              <a:t>	bereken waarde	-&gt; meer waard, </a:t>
+              <a:t>	bereken waarde		-&gt; meer waard, </a:t>
             </a:r>
             <a:r>
               <a:rPr lang="nl-NL" dirty="0" err="1" smtClean="0"/>
               <a:t>remember</a:t>
             </a:r>
+            <a:r>
+              <a:rPr lang="nl-NL" dirty="0" smtClean="0"/>
+              <a:t>	</a:t>
+            </a:r>
             <a:endParaRPr lang="nl-NL" dirty="0" smtClean="0"/>
           </a:p>
           <a:p>
@@ -3828,7 +3924,82 @@
             </a:r>
             <a:r>
               <a:rPr lang="nl-NL" dirty="0" smtClean="0"/>
-              <a:t>			-&gt; minder waard, terug naar vorige versie</a:t>
+              <a:t>			</a:t>
+            </a:r>
+            <a:r>
+              <a:rPr lang="nl-NL" dirty="0" smtClean="0"/>
+              <a:t>-&gt; </a:t>
+            </a:r>
+            <a:r>
+              <a:rPr lang="nl-NL" dirty="0" smtClean="0"/>
+              <a:t>minder waard</a:t>
+            </a:r>
+            <a:r>
+              <a:rPr lang="nl-NL" dirty="0" smtClean="0"/>
+              <a:t>, als </a:t>
+            </a:r>
+            <a:r>
+              <a:rPr lang="nl-NL" dirty="0" err="1" smtClean="0"/>
+              <a:t>cost</a:t>
+            </a:r>
+            <a:r>
+              <a:rPr lang="nl-NL" dirty="0" smtClean="0"/>
+              <a:t> – </a:t>
+            </a:r>
+            <a:r>
+              <a:rPr lang="nl-NL" dirty="0" err="1" smtClean="0"/>
+              <a:t>newcost</a:t>
+            </a:r>
+            <a:r>
+              <a:rPr lang="nl-NL" dirty="0" smtClean="0"/>
+              <a:t>/temp &gt; random(0,1): 				</a:t>
+            </a:r>
+            <a:r>
+              <a:rPr lang="nl-NL" dirty="0" err="1" smtClean="0"/>
+              <a:t>remember</a:t>
+            </a:r>
+            <a:endParaRPr lang="nl-NL" dirty="0" smtClean="0"/>
+          </a:p>
+          <a:p>
+            <a:pPr marL="457200" lvl="1" indent="0">
+              <a:buNone/>
+            </a:pPr>
+            <a:r>
+              <a:rPr lang="nl-NL" dirty="0" smtClean="0"/>
+              <a:t>				anders: </a:t>
+            </a:r>
+            <a:r>
+              <a:rPr lang="nl-NL" dirty="0" smtClean="0"/>
+              <a:t>terug naar vorige </a:t>
+            </a:r>
+            <a:r>
+              <a:rPr lang="nl-NL" dirty="0" smtClean="0"/>
+              <a:t>versie</a:t>
+            </a:r>
+          </a:p>
+          <a:p>
+            <a:pPr marL="457200" lvl="1" indent="0">
+              <a:buNone/>
+            </a:pPr>
+            <a:r>
+              <a:rPr lang="nl-NL" dirty="0"/>
+              <a:t>	</a:t>
+            </a:r>
+            <a:r>
+              <a:rPr lang="nl-NL" dirty="0" smtClean="0"/>
+              <a:t>				</a:t>
+            </a:r>
+            <a:r>
+              <a:rPr lang="nl-NL" dirty="0" err="1" smtClean="0"/>
+              <a:t>decrease</a:t>
+            </a:r>
+            <a:r>
+              <a:rPr lang="nl-NL" dirty="0" smtClean="0"/>
+              <a:t> </a:t>
+            </a:r>
+            <a:r>
+              <a:rPr lang="nl-NL" dirty="0" err="1" smtClean="0"/>
+              <a:t>temperature</a:t>
             </a:r>
             <a:endParaRPr lang="nl-NL" dirty="0"/>
           </a:p>
@@ -3874,6 +4045,13 @@
   <p:clrMapOvr>
     <a:masterClrMapping/>
   </p:clrMapOvr>
+  <p:timing>
+    <p:tnLst>
+      <p:par>
+        <p:cTn id="1" dur="indefinite" restart="never" nodeType="tmRoot"/>
+      </p:par>
+    </p:tnLst>
+  </p:timing>
 </p:sld>
 </file>
 

--- a/Presentation1.pptx
+++ b/Presentation1.pptx
@@ -10,6 +10,8 @@
     <p:sldId id="258" r:id="rId4"/>
     <p:sldId id="259" r:id="rId5"/>
     <p:sldId id="260" r:id="rId6"/>
+    <p:sldId id="261" r:id="rId7"/>
+    <p:sldId id="262" r:id="rId8"/>
   </p:sldIdLst>
   <p:sldSz cx="12192000" cy="6858000"/>
   <p:notesSz cx="6858000" cy="9144000"/>
@@ -110,7 +112,7 @@
   </p:defaultTextStyle>
   <p:extLst>
     <p:ext uri="{EFAFB233-063F-42B5-8137-9DF3F51BA10A}">
-      <p15:sldGuideLst xmlns:p15="http://schemas.microsoft.com/office/powerpoint/2012/main"/>
+      <p15:sldGuideLst xmlns:p15="http://schemas.microsoft.com/office/powerpoint/2012/main" xmlns=""/>
     </p:ext>
   </p:extLst>
 </p:presentation>
@@ -247,7 +249,7 @@
           <a:p>
             <a:fld id="{C9288890-69CA-4AE8-A398-65EB4C192ED1}" type="datetimeFigureOut">
               <a:rPr lang="nl-NL" smtClean="0"/>
-              <a:t>21-4-2016</a:t>
+              <a:t>28-4-2016</a:t>
             </a:fld>
             <a:endParaRPr lang="nl-NL"/>
           </a:p>
@@ -289,7 +291,7 @@
           <a:p>
             <a:fld id="{16E171CA-AFF2-4A10-883D-7B3BE0C0F8AF}" type="slidenum">
               <a:rPr lang="nl-NL" smtClean="0"/>
-              <a:t>‹#›</a:t>
+              <a:t>‹nr.›</a:t>
             </a:fld>
             <a:endParaRPr lang="nl-NL"/>
           </a:p>
@@ -417,7 +419,7 @@
           <a:p>
             <a:fld id="{C9288890-69CA-4AE8-A398-65EB4C192ED1}" type="datetimeFigureOut">
               <a:rPr lang="nl-NL" smtClean="0"/>
-              <a:t>21-4-2016</a:t>
+              <a:t>28-4-2016</a:t>
             </a:fld>
             <a:endParaRPr lang="nl-NL"/>
           </a:p>
@@ -459,7 +461,7 @@
           <a:p>
             <a:fld id="{16E171CA-AFF2-4A10-883D-7B3BE0C0F8AF}" type="slidenum">
               <a:rPr lang="nl-NL" smtClean="0"/>
-              <a:t>‹#›</a:t>
+              <a:t>‹nr.›</a:t>
             </a:fld>
             <a:endParaRPr lang="nl-NL"/>
           </a:p>
@@ -597,7 +599,7 @@
           <a:p>
             <a:fld id="{C9288890-69CA-4AE8-A398-65EB4C192ED1}" type="datetimeFigureOut">
               <a:rPr lang="nl-NL" smtClean="0"/>
-              <a:t>21-4-2016</a:t>
+              <a:t>28-4-2016</a:t>
             </a:fld>
             <a:endParaRPr lang="nl-NL"/>
           </a:p>
@@ -639,7 +641,7 @@
           <a:p>
             <a:fld id="{16E171CA-AFF2-4A10-883D-7B3BE0C0F8AF}" type="slidenum">
               <a:rPr lang="nl-NL" smtClean="0"/>
-              <a:t>‹#›</a:t>
+              <a:t>‹nr.›</a:t>
             </a:fld>
             <a:endParaRPr lang="nl-NL"/>
           </a:p>
@@ -767,7 +769,7 @@
           <a:p>
             <a:fld id="{C9288890-69CA-4AE8-A398-65EB4C192ED1}" type="datetimeFigureOut">
               <a:rPr lang="nl-NL" smtClean="0"/>
-              <a:t>21-4-2016</a:t>
+              <a:t>28-4-2016</a:t>
             </a:fld>
             <a:endParaRPr lang="nl-NL"/>
           </a:p>
@@ -809,7 +811,7 @@
           <a:p>
             <a:fld id="{16E171CA-AFF2-4A10-883D-7B3BE0C0F8AF}" type="slidenum">
               <a:rPr lang="nl-NL" smtClean="0"/>
-              <a:t>‹#›</a:t>
+              <a:t>‹nr.›</a:t>
             </a:fld>
             <a:endParaRPr lang="nl-NL"/>
           </a:p>
@@ -1013,7 +1015,7 @@
           <a:p>
             <a:fld id="{C9288890-69CA-4AE8-A398-65EB4C192ED1}" type="datetimeFigureOut">
               <a:rPr lang="nl-NL" smtClean="0"/>
-              <a:t>21-4-2016</a:t>
+              <a:t>28-4-2016</a:t>
             </a:fld>
             <a:endParaRPr lang="nl-NL"/>
           </a:p>
@@ -1055,7 +1057,7 @@
           <a:p>
             <a:fld id="{16E171CA-AFF2-4A10-883D-7B3BE0C0F8AF}" type="slidenum">
               <a:rPr lang="nl-NL" smtClean="0"/>
-              <a:t>‹#›</a:t>
+              <a:t>‹nr.›</a:t>
             </a:fld>
             <a:endParaRPr lang="nl-NL"/>
           </a:p>
@@ -1245,7 +1247,7 @@
           <a:p>
             <a:fld id="{C9288890-69CA-4AE8-A398-65EB4C192ED1}" type="datetimeFigureOut">
               <a:rPr lang="nl-NL" smtClean="0"/>
-              <a:t>21-4-2016</a:t>
+              <a:t>28-4-2016</a:t>
             </a:fld>
             <a:endParaRPr lang="nl-NL"/>
           </a:p>
@@ -1287,7 +1289,7 @@
           <a:p>
             <a:fld id="{16E171CA-AFF2-4A10-883D-7B3BE0C0F8AF}" type="slidenum">
               <a:rPr lang="nl-NL" smtClean="0"/>
-              <a:t>‹#›</a:t>
+              <a:t>‹nr.›</a:t>
             </a:fld>
             <a:endParaRPr lang="nl-NL"/>
           </a:p>
@@ -1612,7 +1614,7 @@
           <a:p>
             <a:fld id="{C9288890-69CA-4AE8-A398-65EB4C192ED1}" type="datetimeFigureOut">
               <a:rPr lang="nl-NL" smtClean="0"/>
-              <a:t>21-4-2016</a:t>
+              <a:t>28-4-2016</a:t>
             </a:fld>
             <a:endParaRPr lang="nl-NL"/>
           </a:p>
@@ -1654,7 +1656,7 @@
           <a:p>
             <a:fld id="{16E171CA-AFF2-4A10-883D-7B3BE0C0F8AF}" type="slidenum">
               <a:rPr lang="nl-NL" smtClean="0"/>
-              <a:t>‹#›</a:t>
+              <a:t>‹nr.›</a:t>
             </a:fld>
             <a:endParaRPr lang="nl-NL"/>
           </a:p>
@@ -1730,7 +1732,7 @@
           <a:p>
             <a:fld id="{C9288890-69CA-4AE8-A398-65EB4C192ED1}" type="datetimeFigureOut">
               <a:rPr lang="nl-NL" smtClean="0"/>
-              <a:t>21-4-2016</a:t>
+              <a:t>28-4-2016</a:t>
             </a:fld>
             <a:endParaRPr lang="nl-NL"/>
           </a:p>
@@ -1772,7 +1774,7 @@
           <a:p>
             <a:fld id="{16E171CA-AFF2-4A10-883D-7B3BE0C0F8AF}" type="slidenum">
               <a:rPr lang="nl-NL" smtClean="0"/>
-              <a:t>‹#›</a:t>
+              <a:t>‹nr.›</a:t>
             </a:fld>
             <a:endParaRPr lang="nl-NL"/>
           </a:p>
@@ -1825,7 +1827,7 @@
           <a:p>
             <a:fld id="{C9288890-69CA-4AE8-A398-65EB4C192ED1}" type="datetimeFigureOut">
               <a:rPr lang="nl-NL" smtClean="0"/>
-              <a:t>21-4-2016</a:t>
+              <a:t>28-4-2016</a:t>
             </a:fld>
             <a:endParaRPr lang="nl-NL"/>
           </a:p>
@@ -1867,7 +1869,7 @@
           <a:p>
             <a:fld id="{16E171CA-AFF2-4A10-883D-7B3BE0C0F8AF}" type="slidenum">
               <a:rPr lang="nl-NL" smtClean="0"/>
-              <a:t>‹#›</a:t>
+              <a:t>‹nr.›</a:t>
             </a:fld>
             <a:endParaRPr lang="nl-NL"/>
           </a:p>
@@ -2102,7 +2104,7 @@
           <a:p>
             <a:fld id="{C9288890-69CA-4AE8-A398-65EB4C192ED1}" type="datetimeFigureOut">
               <a:rPr lang="nl-NL" smtClean="0"/>
-              <a:t>21-4-2016</a:t>
+              <a:t>28-4-2016</a:t>
             </a:fld>
             <a:endParaRPr lang="nl-NL"/>
           </a:p>
@@ -2144,7 +2146,7 @@
           <a:p>
             <a:fld id="{16E171CA-AFF2-4A10-883D-7B3BE0C0F8AF}" type="slidenum">
               <a:rPr lang="nl-NL" smtClean="0"/>
-              <a:t>‹#›</a:t>
+              <a:t>‹nr.›</a:t>
             </a:fld>
             <a:endParaRPr lang="nl-NL"/>
           </a:p>
@@ -2355,7 +2357,7 @@
           <a:p>
             <a:fld id="{C9288890-69CA-4AE8-A398-65EB4C192ED1}" type="datetimeFigureOut">
               <a:rPr lang="nl-NL" smtClean="0"/>
-              <a:t>21-4-2016</a:t>
+              <a:t>28-4-2016</a:t>
             </a:fld>
             <a:endParaRPr lang="nl-NL"/>
           </a:p>
@@ -2397,7 +2399,7 @@
           <a:p>
             <a:fld id="{16E171CA-AFF2-4A10-883D-7B3BE0C0F8AF}" type="slidenum">
               <a:rPr lang="nl-NL" smtClean="0"/>
-              <a:t>‹#›</a:t>
+              <a:t>‹nr.›</a:t>
             </a:fld>
             <a:endParaRPr lang="nl-NL"/>
           </a:p>
@@ -2568,7 +2570,7 @@
           <a:p>
             <a:fld id="{C9288890-69CA-4AE8-A398-65EB4C192ED1}" type="datetimeFigureOut">
               <a:rPr lang="nl-NL" smtClean="0"/>
-              <a:t>21-4-2016</a:t>
+              <a:t>28-4-2016</a:t>
             </a:fld>
             <a:endParaRPr lang="nl-NL"/>
           </a:p>
@@ -2646,7 +2648,7 @@
           <a:p>
             <a:fld id="{16E171CA-AFF2-4A10-883D-7B3BE0C0F8AF}" type="slidenum">
               <a:rPr lang="nl-NL" smtClean="0"/>
-              <a:t>‹#›</a:t>
+              <a:t>‹nr.›</a:t>
             </a:fld>
             <a:endParaRPr lang="nl-NL"/>
           </a:p>
@@ -3348,11 +3350,7 @@
             <a:pPr lvl="1"/>
             <a:r>
               <a:rPr lang="nl-NL" dirty="0" smtClean="0"/>
-              <a:t>Waarde van het </a:t>
-            </a:r>
-            <a:r>
-              <a:rPr lang="nl-NL" dirty="0" smtClean="0"/>
-              <a:t>huis</a:t>
+              <a:t>Waarde van het huis</a:t>
             </a:r>
             <a:endParaRPr lang="nl-NL" dirty="0"/>
           </a:p>
@@ -3367,11 +3365,7 @@
             </a:r>
             <a:r>
               <a:rPr lang="nl-NL" dirty="0" smtClean="0"/>
-              <a:t> -&gt; huis meer </a:t>
-            </a:r>
-            <a:r>
-              <a:rPr lang="nl-NL" dirty="0" smtClean="0"/>
-              <a:t>waard</a:t>
+              <a:t> -&gt; huis meer waard</a:t>
             </a:r>
           </a:p>
           <a:p>
@@ -3507,13 +3501,8 @@
               <a:p>
                 <a:r>
                   <a:rPr lang="nl-NL" dirty="0" smtClean="0"/>
-                  <a:t>Random alle </a:t>
+                  <a:t>Random alle mogelijkheden:</a:t>
                 </a:r>
-                <a:r>
-                  <a:rPr lang="nl-NL" dirty="0" smtClean="0"/>
-                  <a:t>mogelijkheden:</a:t>
-                </a:r>
-                <a:endParaRPr lang="nl-NL" dirty="0" smtClean="0"/>
               </a:p>
               <a:p>
                 <a:pPr lvl="1"/>
@@ -3523,7 +3512,7 @@
                       <m:fPr>
                         <m:ctrlPr>
                           <a:rPr lang="nl-NL" i="1" smtClean="0">
-                            <a:latin typeface="Cambria Math" panose="02040503050406030204" pitchFamily="18" charset="0"/>
+                            <a:latin typeface="Cambria Math"/>
                           </a:rPr>
                         </m:ctrlPr>
                       </m:fPr>
@@ -3546,7 +3535,7 @@
                           <m:dPr>
                             <m:ctrlPr>
                               <a:rPr lang="nl-NL" b="0" i="1" smtClean="0">
-                                <a:latin typeface="Cambria Math" panose="02040503050406030204" pitchFamily="18" charset="0"/>
+                                <a:latin typeface="Cambria Math"/>
                               </a:rPr>
                             </m:ctrlPr>
                           </m:dPr>
@@ -3578,7 +3567,7 @@
                       <m:sSupPr>
                         <m:ctrlPr>
                           <a:rPr lang="nl-NL" i="1" smtClean="0">
-                            <a:latin typeface="Cambria Math" panose="02040503050406030204" pitchFamily="18" charset="0"/>
+                            <a:latin typeface="Cambria Math"/>
                             <a:ea typeface="Cambria Math" panose="02040503050406030204" pitchFamily="18" charset="0"/>
                           </a:rPr>
                         </m:ctrlPr>
@@ -3629,14 +3618,6 @@
               <a:p>
                 <a:pPr lvl="1"/>
                 <a:r>
-                  <a:rPr lang="nl-NL" b="1" dirty="0" smtClean="0"/>
-                  <a:t>Uitdijen</a:t>
-                </a:r>
-                <a:endParaRPr lang="nl-NL" b="1" dirty="0"/>
-              </a:p>
-              <a:p>
-                <a:pPr lvl="1"/>
-                <a:r>
                   <a:rPr lang="nl-NL" b="1" dirty="0" err="1" smtClean="0"/>
                   <a:t>Simulated</a:t>
                 </a:r>
@@ -3669,7 +3650,7 @@
               </p:nvPr>
             </p:nvSpPr>
             <p:spPr>
-              <a:blipFill rotWithShape="0">
+              <a:blipFill rotWithShape="1">
                 <a:blip r:embed="rId2"/>
                 <a:stretch>
                   <a:fillRect l="-1217" t="-2241"/>
@@ -3681,7 +3662,7 @@
               <a:lstStyle/>
               <a:p>
                 <a:r>
-                  <a:rPr lang="nl-NL">
+                  <a:rPr lang="en-GB">
                     <a:noFill/>
                   </a:rPr>
                   <a:t> </a:t>
@@ -3691,47 +3672,6 @@
           </p:sp>
         </mc:Fallback>
       </mc:AlternateContent>
-      <p:pic>
-        <p:nvPicPr>
-          <p:cNvPr id="1026" name="Picture 2" descr="https://lh4.googleusercontent.com/EP9F0uIUkJ6JvNwyf1_4p5AvC1ciaiezyUuGvTVi1xnF7JMnDeWGQXq7UE7y6f3nMxHYnC0Jcld9Moe1r5z0oh4jG_ChsLly0s-_XWb7S1LSX5HHlCt6bbVM9EeRH0b_ogEquueB"/>
-          <p:cNvPicPr>
-            <a:picLocks noChangeAspect="1" noChangeArrowheads="1"/>
-          </p:cNvPicPr>
-          <p:nvPr/>
-        </p:nvPicPr>
-        <p:blipFill>
-          <a:blip r:embed="rId3">
-            <a:extLst>
-              <a:ext uri="{28A0092B-C50C-407E-A947-70E740481C1C}">
-                <a14:useLocalDpi xmlns:a14="http://schemas.microsoft.com/office/drawing/2010/main" val="0"/>
-              </a:ext>
-            </a:extLst>
-          </a:blip>
-          <a:srcRect/>
-          <a:stretch>
-            <a:fillRect/>
-          </a:stretch>
-        </p:blipFill>
-        <p:spPr bwMode="auto">
-          <a:xfrm>
-            <a:off x="6217407" y="3635331"/>
-            <a:ext cx="5734050" cy="2324101"/>
-          </a:xfrm>
-          <a:prstGeom prst="rect">
-            <a:avLst/>
-          </a:prstGeom>
-          <a:noFill/>
-          <a:extLst>
-            <a:ext uri="{909E8E84-426E-40DD-AFC4-6F175D3DCCD1}">
-              <a14:hiddenFill xmlns:a14="http://schemas.microsoft.com/office/drawing/2010/main">
-                <a:solidFill>
-                  <a:srgbClr val="FFFFFF"/>
-                </a:solidFill>
-              </a14:hiddenFill>
-            </a:ext>
-          </a:extLst>
-        </p:spPr>
-      </p:pic>
     </p:spTree>
     <p:extLst>
       <p:ext uri="{BB962C8B-B14F-4D97-AF65-F5344CB8AC3E}">
@@ -3813,7 +3753,7 @@
         <p:spPr/>
         <p:txBody>
           <a:bodyPr>
-            <a:normAutofit fontScale="92500" lnSpcReduction="20000"/>
+            <a:normAutofit/>
           </a:bodyPr>
           <a:lstStyle/>
           <a:p>
@@ -3847,194 +3787,33 @@
           <a:p>
             <a:r>
               <a:rPr lang="nl-NL" dirty="0" smtClean="0"/>
-              <a:t>Pseudocode:</a:t>
-            </a:r>
-            <a:endParaRPr lang="nl-NL" dirty="0"/>
-          </a:p>
-          <a:p>
-            <a:pPr marL="457200" lvl="1" indent="0">
-              <a:buNone/>
-            </a:pPr>
+              <a:t>Maar accepteert ook verslechtering</a:t>
+            </a:r>
+          </a:p>
+          <a:p>
+            <a:pPr lvl="1"/>
             <a:r>
               <a:rPr lang="nl-NL" dirty="0" smtClean="0"/>
-              <a:t>Startwaarde + </a:t>
-            </a:r>
-            <a:r>
-              <a:rPr lang="nl-NL" dirty="0" err="1" smtClean="0"/>
-              <a:t>temperature</a:t>
-            </a:r>
+              <a:t>Moet een stop voor zijn anders geen maximum</a:t>
+            </a:r>
+          </a:p>
+          <a:p>
+            <a:pPr lvl="1"/>
             <a:r>
               <a:rPr lang="nl-NL" dirty="0" smtClean="0"/>
-              <a:t/>
-            </a:r>
-            <a:br>
+              <a:t>Kans op acceptatie verslechtering steeds kleiner</a:t>
+            </a:r>
+          </a:p>
+          <a:p>
+            <a:pPr lvl="2"/>
+            <a:r>
               <a:rPr lang="nl-NL" dirty="0" smtClean="0"/>
-            </a:br>
-            <a:r>
-              <a:rPr lang="nl-NL" dirty="0" smtClean="0"/>
-              <a:t>Bereken waarde</a:t>
-            </a:r>
-          </a:p>
-          <a:p>
-            <a:pPr marL="457200" lvl="1" indent="0">
-              <a:buNone/>
-            </a:pPr>
-            <a:r>
-              <a:rPr lang="nl-NL" dirty="0" smtClean="0"/>
-              <a:t>Loop </a:t>
+              <a:t>Gesimuleerd door daling temperatuur na elke sprong</a:t>
             </a:r>
             <a:endParaRPr lang="nl-NL" dirty="0" smtClean="0"/>
           </a:p>
-          <a:p>
-            <a:pPr marL="457200" lvl="1" indent="0">
-              <a:buNone/>
-            </a:pPr>
-            <a:r>
-              <a:rPr lang="nl-NL" dirty="0"/>
-              <a:t>	</a:t>
-            </a:r>
-            <a:r>
-              <a:rPr lang="nl-NL" dirty="0" smtClean="0"/>
-              <a:t>schuif/wissel huizen</a:t>
-            </a:r>
-            <a:br>
-              <a:rPr lang="nl-NL" dirty="0" smtClean="0"/>
-            </a:br>
-            <a:r>
-              <a:rPr lang="nl-NL" dirty="0" smtClean="0"/>
-              <a:t>	bereken waarde		-&gt; meer waard, </a:t>
-            </a:r>
-            <a:r>
-              <a:rPr lang="nl-NL" dirty="0" err="1" smtClean="0"/>
-              <a:t>remember</a:t>
-            </a:r>
-            <a:r>
-              <a:rPr lang="nl-NL" dirty="0" smtClean="0"/>
-              <a:t>	</a:t>
-            </a:r>
-            <a:endParaRPr lang="nl-NL" dirty="0" smtClean="0"/>
-          </a:p>
-          <a:p>
-            <a:pPr marL="457200" lvl="1" indent="0">
-              <a:buNone/>
-            </a:pPr>
-            <a:r>
-              <a:rPr lang="nl-NL" dirty="0"/>
-              <a:t>	</a:t>
-            </a:r>
-            <a:r>
-              <a:rPr lang="nl-NL" dirty="0" smtClean="0"/>
-              <a:t>			</a:t>
-            </a:r>
-            <a:r>
-              <a:rPr lang="nl-NL" dirty="0" smtClean="0"/>
-              <a:t>-&gt; </a:t>
-            </a:r>
-            <a:r>
-              <a:rPr lang="nl-NL" dirty="0" smtClean="0"/>
-              <a:t>minder waard</a:t>
-            </a:r>
-            <a:r>
-              <a:rPr lang="nl-NL" dirty="0" smtClean="0"/>
-              <a:t>, als </a:t>
-            </a:r>
-            <a:r>
-              <a:rPr lang="nl-NL" dirty="0" err="1" smtClean="0"/>
-              <a:t>cost</a:t>
-            </a:r>
-            <a:r>
-              <a:rPr lang="nl-NL" dirty="0" smtClean="0"/>
-              <a:t> – </a:t>
-            </a:r>
-            <a:r>
-              <a:rPr lang="nl-NL" dirty="0" err="1" smtClean="0"/>
-              <a:t>newcost</a:t>
-            </a:r>
-            <a:r>
-              <a:rPr lang="nl-NL" dirty="0" smtClean="0"/>
-              <a:t>/temp &gt; random(0,1): 				</a:t>
-            </a:r>
-            <a:r>
-              <a:rPr lang="nl-NL" dirty="0" err="1" smtClean="0"/>
-              <a:t>remember</a:t>
-            </a:r>
-            <a:endParaRPr lang="nl-NL" dirty="0" smtClean="0"/>
-          </a:p>
-          <a:p>
-            <a:pPr marL="457200" lvl="1" indent="0">
-              <a:buNone/>
-            </a:pPr>
-            <a:r>
-              <a:rPr lang="nl-NL" dirty="0" smtClean="0"/>
-              <a:t>				anders: </a:t>
-            </a:r>
-            <a:r>
-              <a:rPr lang="nl-NL" dirty="0" smtClean="0"/>
-              <a:t>terug naar vorige </a:t>
-            </a:r>
-            <a:r>
-              <a:rPr lang="nl-NL" dirty="0" smtClean="0"/>
-              <a:t>versie</a:t>
-            </a:r>
-          </a:p>
-          <a:p>
-            <a:pPr marL="457200" lvl="1" indent="0">
-              <a:buNone/>
-            </a:pPr>
-            <a:r>
-              <a:rPr lang="nl-NL" dirty="0"/>
-              <a:t>	</a:t>
-            </a:r>
-            <a:r>
-              <a:rPr lang="nl-NL" dirty="0" smtClean="0"/>
-              <a:t>				</a:t>
-            </a:r>
-            <a:r>
-              <a:rPr lang="nl-NL" dirty="0" err="1" smtClean="0"/>
-              <a:t>decrease</a:t>
-            </a:r>
-            <a:r>
-              <a:rPr lang="nl-NL" dirty="0" smtClean="0"/>
-              <a:t> </a:t>
-            </a:r>
-            <a:r>
-              <a:rPr lang="nl-NL" dirty="0" err="1" smtClean="0"/>
-              <a:t>temperature</a:t>
-            </a:r>
-            <a:endParaRPr lang="nl-NL" dirty="0"/>
-          </a:p>
-        </p:txBody>
-      </p:sp>
-      <p:pic>
-        <p:nvPicPr>
-          <p:cNvPr id="4" name="Picture 3"/>
-          <p:cNvPicPr>
-            <a:picLocks noChangeAspect="1"/>
-          </p:cNvPicPr>
-          <p:nvPr/>
-        </p:nvPicPr>
-        <p:blipFill>
-          <a:blip r:embed="rId2">
-            <a:extLst>
-              <a:ext uri="{28A0092B-C50C-407E-A947-70E740481C1C}">
-                <a14:useLocalDpi xmlns:a14="http://schemas.microsoft.com/office/drawing/2010/main" val="0"/>
-              </a:ext>
-            </a:extLst>
-          </a:blip>
-          <a:stretch>
-            <a:fillRect/>
-          </a:stretch>
-        </p:blipFill>
-        <p:spPr>
-          <a:xfrm>
-            <a:off x="7123314" y="873211"/>
-            <a:ext cx="4552617" cy="3474366"/>
-          </a:xfrm>
-          <a:prstGeom prst="rect">
-            <a:avLst/>
-          </a:prstGeom>
-        </p:spPr>
-      </p:pic>
+        </p:txBody>
+      </p:sp>
     </p:spTree>
     <p:extLst>
       <p:ext uri="{BB962C8B-B14F-4D97-AF65-F5344CB8AC3E}">
@@ -4052,6 +3831,318 @@
       </p:par>
     </p:tnLst>
   </p:timing>
+</p:sld>
+</file>
+
+<file path=ppt/slides/slide6.xml><?xml version="1.0" encoding="utf-8"?>
+<p:sld xmlns:a="http://schemas.openxmlformats.org/drawingml/2006/main" xmlns:r="http://schemas.openxmlformats.org/officeDocument/2006/relationships" xmlns:p="http://schemas.openxmlformats.org/presentationml/2006/main">
+  <p:cSld>
+    <p:spTree>
+      <p:nvGrpSpPr>
+        <p:cNvPr id="1" name=""/>
+        <p:cNvGrpSpPr/>
+        <p:nvPr/>
+      </p:nvGrpSpPr>
+      <p:grpSpPr>
+        <a:xfrm>
+          <a:off x="0" y="0"/>
+          <a:ext cx="0" cy="0"/>
+          <a:chOff x="0" y="0"/>
+          <a:chExt cx="0" cy="0"/>
+        </a:xfrm>
+      </p:grpSpPr>
+      <p:sp>
+        <p:nvSpPr>
+          <p:cNvPr id="2" name="Titel 1"/>
+          <p:cNvSpPr>
+            <a:spLocks noGrp="1"/>
+          </p:cNvSpPr>
+          <p:nvPr>
+            <p:ph type="title"/>
+          </p:nvPr>
+        </p:nvSpPr>
+        <p:spPr/>
+        <p:txBody>
+          <a:bodyPr/>
+          <a:lstStyle/>
+          <a:p>
+            <a:r>
+              <a:rPr lang="en-GB" dirty="0" err="1" smtClean="0"/>
+              <a:t>Voorbeeld</a:t>
+            </a:r>
+            <a:endParaRPr lang="en-GB" dirty="0"/>
+          </a:p>
+        </p:txBody>
+      </p:sp>
+      <p:sp>
+        <p:nvSpPr>
+          <p:cNvPr id="3" name="Tijdelijke aanduiding voor inhoud 2"/>
+          <p:cNvSpPr>
+            <a:spLocks noGrp="1"/>
+          </p:cNvSpPr>
+          <p:nvPr>
+            <p:ph idx="1"/>
+          </p:nvPr>
+        </p:nvSpPr>
+        <p:spPr/>
+        <p:txBody>
+          <a:bodyPr/>
+          <a:lstStyle/>
+          <a:p>
+            <a:endParaRPr lang="en-GB" dirty="0"/>
+          </a:p>
+        </p:txBody>
+      </p:sp>
+      <p:pic>
+        <p:nvPicPr>
+          <p:cNvPr id="1026" name="Picture 2"/>
+          <p:cNvPicPr>
+            <a:picLocks noChangeAspect="1" noChangeArrowheads="1"/>
+          </p:cNvPicPr>
+          <p:nvPr/>
+        </p:nvPicPr>
+        <p:blipFill>
+          <a:blip r:embed="rId2">
+            <a:extLst>
+              <a:ext uri="{28A0092B-C50C-407E-A947-70E740481C1C}">
+                <a14:useLocalDpi xmlns:a14="http://schemas.microsoft.com/office/drawing/2010/main" val="0"/>
+              </a:ext>
+            </a:extLst>
+          </a:blip>
+          <a:srcRect/>
+          <a:stretch>
+            <a:fillRect/>
+          </a:stretch>
+        </p:blipFill>
+        <p:spPr bwMode="auto">
+          <a:xfrm>
+            <a:off x="2915857" y="1706384"/>
+            <a:ext cx="6076950" cy="3419475"/>
+          </a:xfrm>
+          <a:prstGeom prst="rect">
+            <a:avLst/>
+          </a:prstGeom>
+          <a:noFill/>
+          <a:ln>
+            <a:noFill/>
+          </a:ln>
+          <a:effectLst/>
+          <a:extLst>
+            <a:ext uri="{909E8E84-426E-40DD-AFC4-6F175D3DCCD1}">
+              <a14:hiddenFill xmlns:a14="http://schemas.microsoft.com/office/drawing/2010/main">
+                <a:solidFill>
+                  <a:schemeClr val="accent1"/>
+                </a:solidFill>
+              </a14:hiddenFill>
+            </a:ext>
+            <a:ext uri="{91240B29-F687-4F45-9708-019B960494DF}">
+              <a14:hiddenLine xmlns:a14="http://schemas.microsoft.com/office/drawing/2010/main" w="9525">
+                <a:solidFill>
+                  <a:schemeClr val="tx1"/>
+                </a:solidFill>
+                <a:miter lim="800000"/>
+                <a:headEnd/>
+                <a:tailEnd/>
+              </a14:hiddenLine>
+            </a:ext>
+            <a:ext uri="{AF507438-7753-43E0-B8FC-AC1667EBCBE1}">
+              <a14:hiddenEffects xmlns:a14="http://schemas.microsoft.com/office/drawing/2010/main">
+                <a:effectLst>
+                  <a:outerShdw dist="35921" dir="2700000" algn="ctr" rotWithShape="0">
+                    <a:schemeClr val="bg2"/>
+                  </a:outerShdw>
+                </a:effectLst>
+              </a14:hiddenEffects>
+            </a:ext>
+          </a:extLst>
+        </p:spPr>
+      </p:pic>
+    </p:spTree>
+    <p:extLst>
+      <p:ext uri="{BB962C8B-B14F-4D97-AF65-F5344CB8AC3E}">
+        <p14:creationId xmlns:p14="http://schemas.microsoft.com/office/powerpoint/2010/main" val="809094265"/>
+      </p:ext>
+    </p:extLst>
+  </p:cSld>
+  <p:clrMapOvr>
+    <a:masterClrMapping/>
+  </p:clrMapOvr>
+</p:sld>
+</file>
+
+<file path=ppt/slides/slide7.xml><?xml version="1.0" encoding="utf-8"?>
+<p:sld xmlns:a="http://schemas.openxmlformats.org/drawingml/2006/main" xmlns:r="http://schemas.openxmlformats.org/officeDocument/2006/relationships" xmlns:p="http://schemas.openxmlformats.org/presentationml/2006/main">
+  <p:cSld>
+    <p:spTree>
+      <p:nvGrpSpPr>
+        <p:cNvPr id="1" name=""/>
+        <p:cNvGrpSpPr/>
+        <p:nvPr/>
+      </p:nvGrpSpPr>
+      <p:grpSpPr>
+        <a:xfrm>
+          <a:off x="0" y="0"/>
+          <a:ext cx="0" cy="0"/>
+          <a:chOff x="0" y="0"/>
+          <a:chExt cx="0" cy="0"/>
+        </a:xfrm>
+      </p:grpSpPr>
+      <p:sp>
+        <p:nvSpPr>
+          <p:cNvPr id="2" name="Titel 1"/>
+          <p:cNvSpPr>
+            <a:spLocks noGrp="1"/>
+          </p:cNvSpPr>
+          <p:nvPr>
+            <p:ph type="title"/>
+          </p:nvPr>
+        </p:nvSpPr>
+        <p:spPr/>
+        <p:txBody>
+          <a:bodyPr/>
+          <a:lstStyle/>
+          <a:p>
+            <a:r>
+              <a:rPr lang="en-GB" dirty="0" err="1" smtClean="0"/>
+              <a:t>Verdeling</a:t>
+            </a:r>
+            <a:endParaRPr lang="en-GB" dirty="0"/>
+          </a:p>
+        </p:txBody>
+      </p:sp>
+      <p:sp>
+        <p:nvSpPr>
+          <p:cNvPr id="3" name="Tijdelijke aanduiding voor inhoud 2"/>
+          <p:cNvSpPr>
+            <a:spLocks noGrp="1"/>
+          </p:cNvSpPr>
+          <p:nvPr>
+            <p:ph idx="1"/>
+          </p:nvPr>
+        </p:nvSpPr>
+        <p:spPr/>
+        <p:txBody>
+          <a:bodyPr/>
+          <a:lstStyle/>
+          <a:p>
+            <a:r>
+              <a:rPr lang="en-GB" dirty="0" smtClean="0"/>
+              <a:t>Max: 78.8 </a:t>
+            </a:r>
+            <a:r>
+              <a:rPr lang="en-GB" dirty="0" err="1" smtClean="0"/>
+              <a:t>miljoen</a:t>
+            </a:r>
+            <a:endParaRPr lang="en-GB" dirty="0" smtClean="0"/>
+          </a:p>
+          <a:p>
+            <a:r>
+              <a:rPr lang="en-GB" dirty="0" smtClean="0"/>
+              <a:t>Min: 28.8 </a:t>
+            </a:r>
+            <a:r>
+              <a:rPr lang="en-GB" dirty="0" err="1" smtClean="0"/>
+              <a:t>miljoen</a:t>
+            </a:r>
+            <a:endParaRPr lang="en-GB" dirty="0" smtClean="0"/>
+          </a:p>
+          <a:p>
+            <a:endParaRPr lang="en-GB" dirty="0"/>
+          </a:p>
+          <a:p>
+            <a:r>
+              <a:rPr lang="en-GB" dirty="0" err="1" smtClean="0"/>
+              <a:t>Normaal</a:t>
+            </a:r>
+            <a:r>
+              <a:rPr lang="en-GB" dirty="0" smtClean="0"/>
+              <a:t> </a:t>
+            </a:r>
+            <a:r>
+              <a:rPr lang="en-GB" dirty="0" err="1" smtClean="0"/>
+              <a:t>verdeeld</a:t>
+            </a:r>
+            <a:endParaRPr lang="en-GB" dirty="0" smtClean="0"/>
+          </a:p>
+          <a:p>
+            <a:endParaRPr lang="en-GB" dirty="0"/>
+          </a:p>
+        </p:txBody>
+      </p:sp>
+      <p:pic>
+        <p:nvPicPr>
+          <p:cNvPr id="2050" name="Picture 2"/>
+          <p:cNvPicPr>
+            <a:picLocks noChangeAspect="1" noChangeArrowheads="1"/>
+          </p:cNvPicPr>
+          <p:nvPr/>
+        </p:nvPicPr>
+        <p:blipFill>
+          <a:blip r:embed="rId2">
+            <a:extLst>
+              <a:ext uri="{28A0092B-C50C-407E-A947-70E740481C1C}">
+                <a14:useLocalDpi xmlns:a14="http://schemas.microsoft.com/office/drawing/2010/main" val="0"/>
+              </a:ext>
+            </a:extLst>
+          </a:blip>
+          <a:srcRect/>
+          <a:stretch>
+            <a:fillRect/>
+          </a:stretch>
+        </p:blipFill>
+        <p:spPr bwMode="auto">
+          <a:xfrm>
+            <a:off x="6095205" y="1991307"/>
+            <a:ext cx="4764087" cy="3416300"/>
+          </a:xfrm>
+          <a:prstGeom prst="rect">
+            <a:avLst/>
+          </a:prstGeom>
+          <a:noFill/>
+          <a:ln>
+            <a:noFill/>
+          </a:ln>
+          <a:effectLst/>
+          <a:extLst>
+            <a:ext uri="{909E8E84-426E-40DD-AFC4-6F175D3DCCD1}">
+              <a14:hiddenFill xmlns:a14="http://schemas.microsoft.com/office/drawing/2010/main">
+                <a:solidFill>
+                  <a:schemeClr val="accent1"/>
+                </a:solidFill>
+              </a14:hiddenFill>
+            </a:ext>
+            <a:ext uri="{91240B29-F687-4F45-9708-019B960494DF}">
+              <a14:hiddenLine xmlns:a14="http://schemas.microsoft.com/office/drawing/2010/main" w="9525">
+                <a:solidFill>
+                  <a:schemeClr val="tx1"/>
+                </a:solidFill>
+                <a:miter lim="800000"/>
+                <a:headEnd/>
+                <a:tailEnd/>
+              </a14:hiddenLine>
+            </a:ext>
+            <a:ext uri="{AF507438-7753-43E0-B8FC-AC1667EBCBE1}">
+              <a14:hiddenEffects xmlns:a14="http://schemas.microsoft.com/office/drawing/2010/main">
+                <a:effectLst>
+                  <a:outerShdw dist="35921" dir="2700000" algn="ctr" rotWithShape="0">
+                    <a:schemeClr val="bg2"/>
+                  </a:outerShdw>
+                </a:effectLst>
+              </a14:hiddenEffects>
+            </a:ext>
+          </a:extLst>
+        </p:spPr>
+      </p:pic>
+    </p:spTree>
+    <p:extLst>
+      <p:ext uri="{BB962C8B-B14F-4D97-AF65-F5344CB8AC3E}">
+        <p14:creationId xmlns:p14="http://schemas.microsoft.com/office/powerpoint/2010/main" val="807670549"/>
+      </p:ext>
+    </p:extLst>
+  </p:cSld>
+  <p:clrMapOvr>
+    <a:masterClrMapping/>
+  </p:clrMapOvr>
 </p:sld>
 </file>
 
@@ -4098,7 +4189,7 @@
     </a:clrScheme>
     <a:fontScheme name="Office">
       <a:majorFont>
-        <a:latin typeface="Calibri Light" panose="020F0302020204030204"/>
+        <a:latin typeface="Calibri Light"/>
         <a:ea typeface=""/>
         <a:cs typeface=""/>
         <a:font script="Jpan" typeface="ＭＳ Ｐゴシック"/>
@@ -4133,7 +4224,7 @@
         <a:font script="Geor" typeface="Sylfaen"/>
       </a:majorFont>
       <a:minorFont>
-        <a:latin typeface="Calibri" panose="020F0502020204030204"/>
+        <a:latin typeface="Calibri"/>
         <a:ea typeface=""/>
         <a:cs typeface=""/>
         <a:font script="Jpan" typeface="ＭＳ Ｐゴシック"/>
@@ -4310,7 +4401,7 @@
   <a:extraClrSchemeLst/>
   <a:extLst>
     <a:ext uri="{05A4C25C-085E-4340-85A3-A5531E510DB2}">
-      <thm15:themeFamily xmlns:thm15="http://schemas.microsoft.com/office/thememl/2012/main" name="Office Theme" id="{62F939B6-93AF-4DB8-9C6B-D6C7DFDC589F}" vid="{4A3C46E8-61CC-4603-A589-7422A47A8E4A}"/>
+      <thm15:themeFamily xmlns:thm15="http://schemas.microsoft.com/office/thememl/2012/main" xmlns="" name="Office Theme" id="{62F939B6-93AF-4DB8-9C6B-D6C7DFDC589F}" vid="{4A3C46E8-61CC-4603-A589-7422A47A8E4A}"/>
     </a:ext>
   </a:extLst>
 </a:theme>
